--- a/input/images/Figures.pptx
+++ b/input/images/Figures.pptx
@@ -264,7 +264,7 @@
           <a:p>
             <a:fld id="{6D5FDB8C-4C92-0C4C-BA60-9D07FDD2BD7F}" type="datetimeFigureOut">
               <a:rPr lang="en-US" smtClean="0"/>
-              <a:t>9/14/20</a:t>
+              <a:t>11/18/2021</a:t>
             </a:fld>
             <a:endParaRPr lang="en-US"/>
           </a:p>
@@ -462,7 +462,7 @@
           <a:p>
             <a:fld id="{6D5FDB8C-4C92-0C4C-BA60-9D07FDD2BD7F}" type="datetimeFigureOut">
               <a:rPr lang="en-US" smtClean="0"/>
-              <a:t>9/14/20</a:t>
+              <a:t>11/18/2021</a:t>
             </a:fld>
             <a:endParaRPr lang="en-US"/>
           </a:p>
@@ -670,7 +670,7 @@
           <a:p>
             <a:fld id="{6D5FDB8C-4C92-0C4C-BA60-9D07FDD2BD7F}" type="datetimeFigureOut">
               <a:rPr lang="en-US" smtClean="0"/>
-              <a:t>9/14/20</a:t>
+              <a:t>11/18/2021</a:t>
             </a:fld>
             <a:endParaRPr lang="en-US"/>
           </a:p>
@@ -868,7 +868,7 @@
           <a:p>
             <a:fld id="{6D5FDB8C-4C92-0C4C-BA60-9D07FDD2BD7F}" type="datetimeFigureOut">
               <a:rPr lang="en-US" smtClean="0"/>
-              <a:t>9/14/20</a:t>
+              <a:t>11/18/2021</a:t>
             </a:fld>
             <a:endParaRPr lang="en-US"/>
           </a:p>
@@ -1143,7 +1143,7 @@
           <a:p>
             <a:fld id="{6D5FDB8C-4C92-0C4C-BA60-9D07FDD2BD7F}" type="datetimeFigureOut">
               <a:rPr lang="en-US" smtClean="0"/>
-              <a:t>9/14/20</a:t>
+              <a:t>11/18/2021</a:t>
             </a:fld>
             <a:endParaRPr lang="en-US"/>
           </a:p>
@@ -1408,7 +1408,7 @@
           <a:p>
             <a:fld id="{6D5FDB8C-4C92-0C4C-BA60-9D07FDD2BD7F}" type="datetimeFigureOut">
               <a:rPr lang="en-US" smtClean="0"/>
-              <a:t>9/14/20</a:t>
+              <a:t>11/18/2021</a:t>
             </a:fld>
             <a:endParaRPr lang="en-US"/>
           </a:p>
@@ -1820,7 +1820,7 @@
           <a:p>
             <a:fld id="{6D5FDB8C-4C92-0C4C-BA60-9D07FDD2BD7F}" type="datetimeFigureOut">
               <a:rPr lang="en-US" smtClean="0"/>
-              <a:t>9/14/20</a:t>
+              <a:t>11/18/2021</a:t>
             </a:fld>
             <a:endParaRPr lang="en-US"/>
           </a:p>
@@ -1961,7 +1961,7 @@
           <a:p>
             <a:fld id="{6D5FDB8C-4C92-0C4C-BA60-9D07FDD2BD7F}" type="datetimeFigureOut">
               <a:rPr lang="en-US" smtClean="0"/>
-              <a:t>9/14/20</a:t>
+              <a:t>11/18/2021</a:t>
             </a:fld>
             <a:endParaRPr lang="en-US"/>
           </a:p>
@@ -2074,7 +2074,7 @@
           <a:p>
             <a:fld id="{6D5FDB8C-4C92-0C4C-BA60-9D07FDD2BD7F}" type="datetimeFigureOut">
               <a:rPr lang="en-US" smtClean="0"/>
-              <a:t>9/14/20</a:t>
+              <a:t>11/18/2021</a:t>
             </a:fld>
             <a:endParaRPr lang="en-US"/>
           </a:p>
@@ -2385,7 +2385,7 @@
           <a:p>
             <a:fld id="{6D5FDB8C-4C92-0C4C-BA60-9D07FDD2BD7F}" type="datetimeFigureOut">
               <a:rPr lang="en-US" smtClean="0"/>
-              <a:t>9/14/20</a:t>
+              <a:t>11/18/2021</a:t>
             </a:fld>
             <a:endParaRPr lang="en-US"/>
           </a:p>
@@ -2673,7 +2673,7 @@
           <a:p>
             <a:fld id="{6D5FDB8C-4C92-0C4C-BA60-9D07FDD2BD7F}" type="datetimeFigureOut">
               <a:rPr lang="en-US" smtClean="0"/>
-              <a:t>9/14/20</a:t>
+              <a:t>11/18/2021</a:t>
             </a:fld>
             <a:endParaRPr lang="en-US"/>
           </a:p>
@@ -2914,7 +2914,7 @@
           <a:p>
             <a:fld id="{6D5FDB8C-4C92-0C4C-BA60-9D07FDD2BD7F}" type="datetimeFigureOut">
               <a:rPr lang="en-US" smtClean="0"/>
-              <a:t>9/14/20</a:t>
+              <a:t>11/18/2021</a:t>
             </a:fld>
             <a:endParaRPr lang="en-US"/>
           </a:p>
@@ -3933,7 +3933,7 @@
         </p:nvSpPr>
         <p:spPr>
           <a:xfrm>
-            <a:off x="4563326" y="4419172"/>
+            <a:off x="4526203" y="4466242"/>
             <a:ext cx="657783" cy="307777"/>
           </a:xfrm>
           <a:prstGeom prst="rect">
@@ -4597,7 +4597,7 @@
                 </a:solidFill>
                 <a:latin typeface="verdana" panose="020B0604030504040204" pitchFamily="34" charset="0"/>
               </a:rPr>
-              <a:t>0..*</a:t>
+              <a:t>0..1</a:t>
             </a:r>
             <a:endParaRPr lang="en-US" sz="1400" dirty="0"/>
           </a:p>
@@ -5764,7 +5764,7 @@
                 </a:solidFill>
                 <a:latin typeface="verdana" panose="020B0604030504040204" pitchFamily="34" charset="0"/>
               </a:rPr>
-              <a:t>0..1</a:t>
+              <a:t>1..1</a:t>
             </a:r>
             <a:endParaRPr lang="en-US" sz="1400" dirty="0"/>
           </a:p>
@@ -7064,6 +7064,46 @@
         <p:spPr>
           <a:xfrm>
             <a:off x="6092122" y="2389342"/>
+            <a:ext cx="657783" cy="307777"/>
+          </a:xfrm>
+          <a:prstGeom prst="rect">
+            <a:avLst/>
+          </a:prstGeom>
+        </p:spPr>
+        <p:txBody>
+          <a:bodyPr wrap="square">
+            <a:spAutoFit/>
+          </a:bodyPr>
+          <a:lstStyle/>
+          <a:p>
+            <a:r>
+              <a:rPr lang="en-US" sz="1400" dirty="0">
+                <a:solidFill>
+                  <a:srgbClr val="333333"/>
+                </a:solidFill>
+                <a:latin typeface="verdana" panose="020B0604030504040204" pitchFamily="34" charset="0"/>
+              </a:rPr>
+              <a:t>0..*</a:t>
+            </a:r>
+            <a:endParaRPr lang="en-US" sz="1400" dirty="0"/>
+          </a:p>
+        </p:txBody>
+      </p:sp>
+      <p:sp>
+        <p:nvSpPr>
+          <p:cNvPr id="120" name="Rectangle 119">
+            <a:extLst>
+              <a:ext uri="{FF2B5EF4-FFF2-40B4-BE49-F238E27FC236}">
+                <a16:creationId xmlns:a16="http://schemas.microsoft.com/office/drawing/2014/main" id="{E43FF8FB-8BC7-43C8-B0B7-16E3493BB48A}"/>
+              </a:ext>
+            </a:extLst>
+          </p:cNvPr>
+          <p:cNvSpPr/>
+          <p:nvPr/>
+        </p:nvSpPr>
+        <p:spPr>
+          <a:xfrm>
+            <a:off x="5182479" y="4456165"/>
             <a:ext cx="657783" cy="307777"/>
           </a:xfrm>
           <a:prstGeom prst="rect">
